--- a/Toh.pptx
+++ b/Toh.pptx
@@ -5,7 +5,7 @@
     <p:sldMasterId id="2147483648" r:id="rId1"/>
   </p:sldMasterIdLst>
   <p:notesMasterIdLst>
-    <p:notesMasterId r:id="rId14"/>
+    <p:notesMasterId r:id="rId15"/>
   </p:notesMasterIdLst>
   <p:sldIdLst>
     <p:sldId id="257" r:id="rId2"/>
@@ -16,10 +16,11 @@
     <p:sldId id="262" r:id="rId7"/>
     <p:sldId id="263" r:id="rId8"/>
     <p:sldId id="264" r:id="rId9"/>
-    <p:sldId id="265" r:id="rId10"/>
-    <p:sldId id="266" r:id="rId11"/>
-    <p:sldId id="267" r:id="rId12"/>
-    <p:sldId id="268" r:id="rId13"/>
+    <p:sldId id="269" r:id="rId10"/>
+    <p:sldId id="270" r:id="rId11"/>
+    <p:sldId id="266" r:id="rId12"/>
+    <p:sldId id="267" r:id="rId13"/>
+    <p:sldId id="268" r:id="rId14"/>
   </p:sldIdLst>
   <p:sldSz cx="9144000" cy="6858000" type="screen4x3"/>
   <p:notesSz cx="6858000" cy="9144000"/>
@@ -204,7 +205,7 @@
             <a:fld id="{48F23753-3832-4B09-BBFB-6500EE7E9EF5}" type="datetimeFigureOut">
               <a:rPr lang="en-US" smtClean="0"/>
               <a:pPr/>
-              <a:t>9/19/2018</a:t>
+              <a:t>9/24/2018</a:t>
             </a:fld>
             <a:endParaRPr lang="en-US"/>
           </a:p>
@@ -734,7 +735,7 @@
             <a:fld id="{1D8BD707-D9CF-40AE-B4C6-C98DA3205C09}" type="datetimeFigureOut">
               <a:rPr lang="en-US" smtClean="0"/>
               <a:pPr/>
-              <a:t>9/19/2018</a:t>
+              <a:t>9/24/2018</a:t>
             </a:fld>
             <a:endParaRPr lang="en-US"/>
           </a:p>
@@ -901,7 +902,7 @@
             <a:fld id="{1D8BD707-D9CF-40AE-B4C6-C98DA3205C09}" type="datetimeFigureOut">
               <a:rPr lang="en-US" smtClean="0"/>
               <a:pPr/>
-              <a:t>9/19/2018</a:t>
+              <a:t>9/24/2018</a:t>
             </a:fld>
             <a:endParaRPr lang="en-US"/>
           </a:p>
@@ -1078,7 +1079,7 @@
             <a:fld id="{1D8BD707-D9CF-40AE-B4C6-C98DA3205C09}" type="datetimeFigureOut">
               <a:rPr lang="en-US" smtClean="0"/>
               <a:pPr/>
-              <a:t>9/19/2018</a:t>
+              <a:t>9/24/2018</a:t>
             </a:fld>
             <a:endParaRPr lang="en-US"/>
           </a:p>
@@ -1245,7 +1246,7 @@
             <a:fld id="{1D8BD707-D9CF-40AE-B4C6-C98DA3205C09}" type="datetimeFigureOut">
               <a:rPr lang="en-US" smtClean="0"/>
               <a:pPr/>
-              <a:t>9/19/2018</a:t>
+              <a:t>9/24/2018</a:t>
             </a:fld>
             <a:endParaRPr lang="en-US"/>
           </a:p>
@@ -1488,7 +1489,7 @@
             <a:fld id="{1D8BD707-D9CF-40AE-B4C6-C98DA3205C09}" type="datetimeFigureOut">
               <a:rPr lang="en-US" smtClean="0"/>
               <a:pPr/>
-              <a:t>9/19/2018</a:t>
+              <a:t>9/24/2018</a:t>
             </a:fld>
             <a:endParaRPr lang="en-US"/>
           </a:p>
@@ -1773,7 +1774,7 @@
             <a:fld id="{1D8BD707-D9CF-40AE-B4C6-C98DA3205C09}" type="datetimeFigureOut">
               <a:rPr lang="en-US" smtClean="0"/>
               <a:pPr/>
-              <a:t>9/19/2018</a:t>
+              <a:t>9/24/2018</a:t>
             </a:fld>
             <a:endParaRPr lang="en-US"/>
           </a:p>
@@ -2192,7 +2193,7 @@
             <a:fld id="{1D8BD707-D9CF-40AE-B4C6-C98DA3205C09}" type="datetimeFigureOut">
               <a:rPr lang="en-US" smtClean="0"/>
               <a:pPr/>
-              <a:t>9/19/2018</a:t>
+              <a:t>9/24/2018</a:t>
             </a:fld>
             <a:endParaRPr lang="en-US"/>
           </a:p>
@@ -2307,7 +2308,7 @@
             <a:fld id="{1D8BD707-D9CF-40AE-B4C6-C98DA3205C09}" type="datetimeFigureOut">
               <a:rPr lang="en-US" smtClean="0"/>
               <a:pPr/>
-              <a:t>9/19/2018</a:t>
+              <a:t>9/24/2018</a:t>
             </a:fld>
             <a:endParaRPr lang="en-US"/>
           </a:p>
@@ -2399,7 +2400,7 @@
             <a:fld id="{1D8BD707-D9CF-40AE-B4C6-C98DA3205C09}" type="datetimeFigureOut">
               <a:rPr lang="en-US" smtClean="0"/>
               <a:pPr/>
-              <a:t>9/19/2018</a:t>
+              <a:t>9/24/2018</a:t>
             </a:fld>
             <a:endParaRPr lang="en-US"/>
           </a:p>
@@ -2673,7 +2674,7 @@
             <a:fld id="{1D8BD707-D9CF-40AE-B4C6-C98DA3205C09}" type="datetimeFigureOut">
               <a:rPr lang="en-US" smtClean="0"/>
               <a:pPr/>
-              <a:t>9/19/2018</a:t>
+              <a:t>9/24/2018</a:t>
             </a:fld>
             <a:endParaRPr lang="en-US"/>
           </a:p>
@@ -2923,7 +2924,7 @@
             <a:fld id="{1D8BD707-D9CF-40AE-B4C6-C98DA3205C09}" type="datetimeFigureOut">
               <a:rPr lang="en-US" smtClean="0"/>
               <a:pPr/>
-              <a:t>9/19/2018</a:t>
+              <a:t>9/24/2018</a:t>
             </a:fld>
             <a:endParaRPr lang="en-US"/>
           </a:p>
@@ -3133,7 +3134,7 @@
             <a:fld id="{1D8BD707-D9CF-40AE-B4C6-C98DA3205C09}" type="datetimeFigureOut">
               <a:rPr lang="en-US" smtClean="0"/>
               <a:pPr/>
-              <a:t>9/19/2018</a:t>
+              <a:t>9/24/2018</a:t>
             </a:fld>
             <a:endParaRPr lang="en-US"/>
           </a:p>
@@ -3581,6 +3582,88 @@
       </p:grpSpPr>
       <p:sp>
         <p:nvSpPr>
+          <p:cNvPr id="2" name="Title 1"/>
+          <p:cNvSpPr>
+            <a:spLocks noGrp="1"/>
+          </p:cNvSpPr>
+          <p:nvPr>
+            <p:ph type="title"/>
+          </p:nvPr>
+        </p:nvSpPr>
+        <p:spPr/>
+        <p:txBody>
+          <a:bodyPr/>
+          <a:lstStyle/>
+          <a:p>
+            <a:r>
+              <a:rPr lang="en-US" dirty="0" smtClean="0"/>
+              <a:t>3 steps to implement TOH</a:t>
+            </a:r>
+            <a:endParaRPr lang="en-US" dirty="0"/>
+          </a:p>
+        </p:txBody>
+      </p:sp>
+      <p:sp>
+        <p:nvSpPr>
+          <p:cNvPr id="3" name="Content Placeholder 2"/>
+          <p:cNvSpPr>
+            <a:spLocks noGrp="1"/>
+          </p:cNvSpPr>
+          <p:nvPr>
+            <p:ph idx="1"/>
+          </p:nvPr>
+        </p:nvSpPr>
+        <p:spPr/>
+        <p:txBody>
+          <a:bodyPr/>
+          <a:lstStyle/>
+          <a:p>
+            <a:r>
+              <a:rPr lang="en-US" dirty="0" smtClean="0"/>
+              <a:t>T(n-1,beg,end,aux)</a:t>
+            </a:r>
+          </a:p>
+          <a:p>
+            <a:r>
+              <a:rPr lang="en-US" dirty="0" smtClean="0"/>
+              <a:t>T(1,beg,aux,end)</a:t>
+            </a:r>
+          </a:p>
+          <a:p>
+            <a:r>
+              <a:rPr lang="en-US" dirty="0" smtClean="0"/>
+              <a:t>T(n-1,aux,beg,end)</a:t>
+            </a:r>
+          </a:p>
+        </p:txBody>
+      </p:sp>
+    </p:spTree>
+  </p:cSld>
+  <p:clrMapOvr>
+    <a:masterClrMapping/>
+  </p:clrMapOvr>
+</p:sld>
+</file>
+
+<file path=ppt/slides/slide11.xml><?xml version="1.0" encoding="utf-8"?>
+<p:sld xmlns:a="http://schemas.openxmlformats.org/drawingml/2006/main" xmlns:r="http://schemas.openxmlformats.org/officeDocument/2006/relationships" xmlns:p="http://schemas.openxmlformats.org/presentationml/2006/main">
+  <p:cSld>
+    <p:spTree>
+      <p:nvGrpSpPr>
+        <p:cNvPr id="1" name=""/>
+        <p:cNvGrpSpPr/>
+        <p:nvPr/>
+      </p:nvGrpSpPr>
+      <p:grpSpPr>
+        <a:xfrm>
+          <a:off x="0" y="0"/>
+          <a:ext cx="0" cy="0"/>
+          <a:chOff x="0" y="0"/>
+          <a:chExt cx="0" cy="0"/>
+        </a:xfrm>
+      </p:grpSpPr>
+      <p:sp>
+        <p:nvSpPr>
           <p:cNvPr id="7" name="Title 6"/>
           <p:cNvSpPr>
             <a:spLocks noGrp="1"/>
@@ -3825,7 +3908,7 @@
 </p:sld>
 </file>
 
-<file path=ppt/slides/slide11.xml><?xml version="1.0" encoding="utf-8"?>
+<file path=ppt/slides/slide12.xml><?xml version="1.0" encoding="utf-8"?>
 <p:sld xmlns:a="http://schemas.openxmlformats.org/drawingml/2006/main" xmlns:r="http://schemas.openxmlformats.org/officeDocument/2006/relationships" xmlns:p="http://schemas.openxmlformats.org/presentationml/2006/main">
   <p:cSld>
     <p:spTree>
@@ -3883,6 +3966,15 @@
             <a:pPr>
               <a:buNone/>
             </a:pPr>
+            <a:r>
+              <a:rPr lang="en-US" dirty="0" smtClean="0"/>
+              <a:t>           </a:t>
+            </a:r>
+          </a:p>
+          <a:p>
+            <a:pPr>
+              <a:buNone/>
+            </a:pPr>
             <a:endParaRPr lang="en-US" dirty="0"/>
           </a:p>
         </p:txBody>
@@ -3918,7 +4010,7 @@
         </p:nvSpPr>
         <p:spPr>
           <a:xfrm>
-            <a:off x="990600" y="1828800"/>
+            <a:off x="1066800" y="1905000"/>
             <a:ext cx="914400" cy="914400"/>
           </a:xfrm>
           <a:prstGeom prst="rect">
@@ -4218,7 +4310,7 @@
 </p:sld>
 </file>
 
-<file path=ppt/slides/slide12.xml><?xml version="1.0" encoding="utf-8"?>
+<file path=ppt/slides/slide13.xml><?xml version="1.0" encoding="utf-8"?>
 <p:sld xmlns:a="http://schemas.openxmlformats.org/drawingml/2006/main" xmlns:r="http://schemas.openxmlformats.org/officeDocument/2006/relationships" xmlns:p="http://schemas.openxmlformats.org/presentationml/2006/main">
   <p:cSld>
     <p:spTree>
@@ -4304,20 +4396,38 @@
               <a:rPr lang="en-US" dirty="0" smtClean="0">
                 <a:hlinkClick r:id="rId4"/>
               </a:rPr>
-              <a:t>https://www.tutorialspoint.com/data_structures_algorithms/tower_of_hanoi.htm</a:t>
-            </a:r>
-            <a:endParaRPr lang="en-US" dirty="0" smtClean="0"/>
-          </a:p>
-          <a:p>
-            <a:pPr>
-              <a:buNone/>
-            </a:pPr>
+              <a:t>https://</a:t>
+            </a:r>
             <a:r>
               <a:rPr lang="en-US" dirty="0" smtClean="0">
                 <a:hlinkClick r:id="rId4"/>
               </a:rPr>
-              <a:t>https://www.tutorialspoint.com/data_structures_algorithms/tower_of_hanoi.htm</a:t>
-            </a:r>
+              <a:t>www.tutorialspoint.com/data_structures_algorithms/tower_of_hanoi.htm</a:t>
+            </a:r>
+            <a:endParaRPr lang="en-US" dirty="0" smtClean="0"/>
+          </a:p>
+          <a:p>
+            <a:pPr>
+              <a:buNone/>
+            </a:pPr>
+            <a:r>
+              <a:rPr lang="en-US" dirty="0" smtClean="0">
+                <a:hlinkClick r:id="rId5"/>
+              </a:rPr>
+              <a:t>https://www.mathsisfun.com/games/towerofhanoi.html</a:t>
+            </a:r>
+            <a:endParaRPr lang="en-US" dirty="0" smtClean="0"/>
+          </a:p>
+          <a:p>
+            <a:pPr>
+              <a:buNone/>
+            </a:pPr>
+            <a:endParaRPr lang="en-US" dirty="0" smtClean="0"/>
+          </a:p>
+          <a:p>
+            <a:pPr>
+              <a:buNone/>
+            </a:pPr>
             <a:endParaRPr lang="en-US" dirty="0" smtClean="0"/>
           </a:p>
           <a:p>
@@ -4859,24 +4969,12 @@
           <a:p>
             <a:pPr marL="514350" indent="-514350"/>
             <a:r>
-              <a:rPr lang="en-US" smtClean="0">
+              <a:rPr lang="en-US" dirty="0" smtClean="0">
                 <a:hlinkClick r:id="rId2"/>
               </a:rPr>
-              <a:t>https</a:t>
-            </a:r>
-            <a:r>
-              <a:rPr lang="en-US" smtClean="0">
-                <a:hlinkClick r:id="rId2"/>
-              </a:rPr>
-              <a:t>://</a:t>
-            </a:r>
-            <a:r>
-              <a:rPr lang="en-US" smtClean="0">
-                <a:hlinkClick r:id="rId2"/>
-              </a:rPr>
-              <a:t>www.mathsisfun.com/games/towerofhanoi.html</a:t>
-            </a:r>
-            <a:endParaRPr lang="en-US" smtClean="0"/>
+              <a:t>https://www.mathsisfun.com/games/towerofhanoi.html</a:t>
+            </a:r>
+            <a:endParaRPr lang="en-US" dirty="0" smtClean="0"/>
           </a:p>
           <a:p>
             <a:pPr marL="514350" indent="-514350"/>
@@ -5155,60 +5253,12 @@
       </p:grpSpPr>
       <p:sp>
         <p:nvSpPr>
-          <p:cNvPr id="4" name="Title 3"/>
+          <p:cNvPr id="2" name="Title 1"/>
           <p:cNvSpPr>
             <a:spLocks noGrp="1"/>
           </p:cNvSpPr>
           <p:nvPr>
             <p:ph type="title"/>
-          </p:nvPr>
-        </p:nvSpPr>
-        <p:spPr/>
-        <p:txBody>
-          <a:bodyPr/>
-          <a:lstStyle/>
-          <a:p>
-            <a:r>
-              <a:rPr lang="en-US" dirty="0" smtClean="0"/>
-              <a:t>Time complexity</a:t>
-            </a:r>
-            <a:endParaRPr lang="en-US" dirty="0"/>
-          </a:p>
-        </p:txBody>
-      </p:sp>
-      <p:sp>
-        <p:nvSpPr>
-          <p:cNvPr id="5" name="Text Placeholder 4"/>
-          <p:cNvSpPr>
-            <a:spLocks noGrp="1"/>
-          </p:cNvSpPr>
-          <p:nvPr>
-            <p:ph type="body" idx="1"/>
-          </p:nvPr>
-        </p:nvSpPr>
-        <p:spPr/>
-        <p:txBody>
-          <a:bodyPr>
-            <a:noAutofit/>
-          </a:bodyPr>
-          <a:lstStyle/>
-          <a:p>
-            <a:r>
-              <a:rPr lang="en-US" sz="3600" dirty="0" smtClean="0"/>
-              <a:t>RECURSION</a:t>
-            </a:r>
-            <a:endParaRPr lang="en-US" sz="3600" dirty="0"/>
-          </a:p>
-        </p:txBody>
-      </p:sp>
-      <p:sp>
-        <p:nvSpPr>
-          <p:cNvPr id="6" name="Content Placeholder 5"/>
-          <p:cNvSpPr>
-            <a:spLocks noGrp="1"/>
-          </p:cNvSpPr>
-          <p:nvPr>
-            <p:ph sz="half" idx="2"/>
           </p:nvPr>
         </p:nvSpPr>
         <p:spPr/>
@@ -5219,62 +5269,143 @@
           <a:lstStyle/>
           <a:p>
             <a:r>
-              <a:rPr lang="en-US" sz="8800" dirty="0" smtClean="0"/>
-              <a:t>O(2^n)</a:t>
-            </a:r>
-            <a:endParaRPr lang="en-US" sz="8800" dirty="0"/>
-          </a:p>
-        </p:txBody>
-      </p:sp>
-      <p:sp>
-        <p:nvSpPr>
-          <p:cNvPr id="7" name="Text Placeholder 6"/>
-          <p:cNvSpPr>
-            <a:spLocks noGrp="1"/>
-          </p:cNvSpPr>
-          <p:nvPr>
-            <p:ph type="body" sz="quarter" idx="3"/>
-          </p:nvPr>
-        </p:nvSpPr>
-        <p:spPr/>
-        <p:txBody>
-          <a:bodyPr>
-            <a:noAutofit/>
-          </a:bodyPr>
-          <a:lstStyle/>
-          <a:p>
-            <a:r>
-              <a:rPr lang="en-US" sz="3600" dirty="0" smtClean="0"/>
-              <a:t>ITERATION</a:t>
-            </a:r>
-            <a:endParaRPr lang="en-US" sz="3600" dirty="0"/>
-          </a:p>
-        </p:txBody>
-      </p:sp>
-      <p:sp>
-        <p:nvSpPr>
-          <p:cNvPr id="8" name="Content Placeholder 7"/>
-          <p:cNvSpPr>
-            <a:spLocks noGrp="1"/>
-          </p:cNvSpPr>
-          <p:nvPr>
-            <p:ph sz="quarter" idx="4"/>
-          </p:nvPr>
-        </p:nvSpPr>
-        <p:spPr/>
-        <p:txBody>
-          <a:bodyPr/>
-          <a:lstStyle/>
-          <a:p>
+              <a:rPr lang="en-US" dirty="0" smtClean="0"/>
+              <a:t>Recursive tower of </a:t>
+            </a:r>
+            <a:r>
+              <a:rPr lang="en-US" dirty="0" err="1" smtClean="0"/>
+              <a:t>hanoi</a:t>
+            </a:r>
             <a:endParaRPr lang="en-US" dirty="0"/>
           </a:p>
         </p:txBody>
       </p:sp>
+      <p:pic>
+        <p:nvPicPr>
+          <p:cNvPr id="4" name="C_programming_video_tutorial_-_Tower_of_hanoi_game[1].mp4">
+            <a:hlinkClick r:id="" action="ppaction://media"/>
+          </p:cNvPr>
+          <p:cNvPicPr>
+            <a:picLocks noGrp="1" noRot="1" noChangeAspect="1"/>
+          </p:cNvPicPr>
+          <p:nvPr>
+            <p:ph idx="1"/>
+            <a:videoFile r:link="rId1"/>
+          </p:nvPr>
+        </p:nvPicPr>
+        <p:blipFill>
+          <a:blip r:embed="rId3"/>
+          <a:stretch>
+            <a:fillRect/>
+          </a:stretch>
+        </p:blipFill>
+        <p:spPr>
+          <a:xfrm>
+            <a:off x="457200" y="1600200"/>
+            <a:ext cx="8229600" cy="5029200"/>
+          </a:xfrm>
+          <a:prstGeom prst="rect">
+            <a:avLst/>
+          </a:prstGeom>
+        </p:spPr>
+      </p:pic>
     </p:spTree>
   </p:cSld>
   <p:clrMapOvr>
     <a:masterClrMapping/>
   </p:clrMapOvr>
+  <p:timing>
+    <p:tnLst>
+      <p:par>
+        <p:cTn id="1" dur="indefinite" restart="never" nodeType="tmRoot">
+          <p:childTnLst>
+            <p:seq concurrent="1" nextAc="seek">
+              <p:cTn id="2" restart="whenNotActive" fill="hold" evtFilter="cancelBubble" nodeType="interactiveSeq">
+                <p:stCondLst>
+                  <p:cond evt="onClick" delay="0">
+                    <p:tgtEl>
+                      <p:spTgt spid="4"/>
+                    </p:tgtEl>
+                  </p:cond>
+                </p:stCondLst>
+                <p:endSync evt="end" delay="0">
+                  <p:rtn val="all"/>
+                </p:endSync>
+                <p:childTnLst>
+                  <p:par>
+                    <p:cTn id="3" fill="hold">
+                      <p:stCondLst>
+                        <p:cond delay="0"/>
+                      </p:stCondLst>
+                      <p:childTnLst>
+                        <p:par>
+                          <p:cTn id="4" fill="hold">
+                            <p:stCondLst>
+                              <p:cond delay="0"/>
+                            </p:stCondLst>
+                            <p:childTnLst>
+                              <p:par>
+                                <p:cTn id="5" presetID="2" presetClass="mediacall" presetSubtype="0" fill="hold" nodeType="clickEffect">
+                                  <p:stCondLst>
+                                    <p:cond delay="0"/>
+                                  </p:stCondLst>
+                                  <p:childTnLst>
+                                    <p:cmd type="call" cmd="togglePause">
+                                      <p:cBhvr>
+                                        <p:cTn id="6" dur="1" fill="hold"/>
+                                        <p:tgtEl>
+                                          <p:spTgt spid="4"/>
+                                        </p:tgtEl>
+                                      </p:cBhvr>
+                                    </p:cmd>
+                                  </p:childTnLst>
+                                </p:cTn>
+                              </p:par>
+                            </p:childTnLst>
+                          </p:cTn>
+                        </p:par>
+                      </p:childTnLst>
+                    </p:cTn>
+                  </p:par>
+                </p:childTnLst>
+              </p:cTn>
+              <p:nextCondLst>
+                <p:cond evt="onClick" delay="0">
+                  <p:tgtEl>
+                    <p:spTgt spid="4"/>
+                  </p:tgtEl>
+                </p:cond>
+              </p:nextCondLst>
+            </p:seq>
+            <p:video>
+              <p:cMediaNode>
+                <p:cTn id="7" fill="hold" display="0">
+                  <p:stCondLst>
+                    <p:cond delay="indefinite"/>
+                  </p:stCondLst>
+                  <p:endCondLst>
+                    <p:cond evt="onNext" delay="0">
+                      <p:tgtEl>
+                        <p:sldTgt/>
+                      </p:tgtEl>
+                    </p:cond>
+                    <p:cond evt="onPrev" delay="0">
+                      <p:tgtEl>
+                        <p:sldTgt/>
+                      </p:tgtEl>
+                    </p:cond>
+                  </p:endCondLst>
+                </p:cTn>
+                <p:tgtEl>
+                  <p:spTgt spid="4"/>
+                </p:tgtEl>
+              </p:cMediaNode>
+            </p:video>
+          </p:childTnLst>
+        </p:cTn>
+      </p:par>
+    </p:tnLst>
+  </p:timing>
 </p:sld>
 </file>
 
